--- a/Presentation.pptx
+++ b/Presentation.pptx
@@ -108,6 +108,11 @@
       </a:defRPr>
     </a:lvl9pPr>
   </p:defaultTextStyle>
+  <p:extLst>
+    <p:ext uri="{EFAFB233-063F-42B5-8137-9DF3F51BA10A}">
+      <p15:sldGuideLst xmlns:p15="http://schemas.microsoft.com/office/powerpoint/2012/main"/>
+    </p:ext>
+  </p:extLst>
 </p:presentation>
 </file>
 
@@ -3270,15 +3275,15 @@
               <a:buChar char="•"/>
             </a:pPr>
             <a:r>
-              <a:rPr lang="en-GB" dirty="0"/>
+              <a:rPr lang="en-GB" sz="2000" dirty="0"/>
               <a:t>Python implementation of a </a:t>
             </a:r>
             <a:r>
-              <a:rPr lang="en-GB" dirty="0" err="1"/>
+              <a:rPr lang="en-GB" sz="2000" dirty="0" err="1"/>
               <a:t>Tabu</a:t>
             </a:r>
             <a:r>
-              <a:rPr lang="en-GB" dirty="0"/>
+              <a:rPr lang="en-GB" sz="2000" dirty="0"/>
               <a:t> Search</a:t>
             </a:r>
           </a:p>
@@ -3288,7 +3293,7 @@
               <a:buChar char="•"/>
             </a:pPr>
             <a:r>
-              <a:rPr lang="en-GB" dirty="0"/>
+              <a:rPr lang="en-GB" sz="2000" dirty="0"/>
               <a:t>Representation:</a:t>
             </a:r>
           </a:p>
@@ -3298,7 +3303,7 @@
               <a:buChar char="•"/>
             </a:pPr>
             <a:r>
-              <a:rPr lang="en-GB" dirty="0"/>
+              <a:rPr lang="en-GB" sz="2000" dirty="0"/>
               <a:t>Plan (dictionary object):  &lt;machine&gt; : [its operations]</a:t>
             </a:r>
           </a:p>
@@ -3308,7 +3313,7 @@
               <a:buChar char="•"/>
             </a:pPr>
             <a:r>
-              <a:rPr lang="en-GB" dirty="0"/>
+              <a:rPr lang="en-GB" sz="2000" dirty="0"/>
               <a:t>List order gives order of the operations in the schedule</a:t>
             </a:r>
           </a:p>
@@ -3318,7 +3323,7 @@
               <a:buChar char="•"/>
             </a:pPr>
             <a:r>
-              <a:rPr lang="en-GB" dirty="0"/>
+              <a:rPr lang="en-GB" sz="2000" dirty="0"/>
               <a:t>Neighbourhood function:</a:t>
             </a:r>
           </a:p>
@@ -3328,21 +3333,21 @@
               <a:buChar char="•"/>
             </a:pPr>
             <a:r>
-              <a:rPr lang="en-GB" dirty="0"/>
+              <a:rPr lang="en-GB" sz="2000" dirty="0"/>
               <a:t>Neighbours are found by swapping two adjacent operations on one machine</a:t>
             </a:r>
             <a:br>
-              <a:rPr lang="en-GB" dirty="0"/>
+              <a:rPr lang="en-GB" sz="2000" dirty="0"/>
             </a:br>
             <a:r>
-              <a:rPr lang="en-GB" dirty="0"/>
+              <a:rPr lang="en-GB" sz="2000" dirty="0"/>
               <a:t>(operations belonging to the same job excluded)</a:t>
             </a:r>
             <a:br>
-              <a:rPr lang="en-GB" dirty="0"/>
+              <a:rPr lang="en-GB" sz="2000" dirty="0"/>
             </a:br>
             <a:r>
-              <a:rPr lang="en-GB" dirty="0">
+              <a:rPr lang="en-GB" sz="2000" dirty="0">
                 <a:sym typeface="Wingdings" panose="05000000000000000000" pitchFamily="2" charset="2"/>
               </a:rPr>
               <a:t> Neighbourhood size ≤ #operations - #machines</a:t>
@@ -3354,7 +3359,7 @@
               <a:buChar char="•"/>
             </a:pPr>
             <a:r>
-              <a:rPr lang="en-GB" dirty="0">
+              <a:rPr lang="en-GB" sz="2000" dirty="0">
                 <a:sym typeface="Wingdings" panose="05000000000000000000" pitchFamily="2" charset="2"/>
               </a:rPr>
               <a:t>Evaluation function:</a:t>
@@ -3366,7 +3371,7 @@
               <a:buChar char="•"/>
             </a:pPr>
             <a:r>
-              <a:rPr lang="en-GB" dirty="0">
+              <a:rPr lang="en-GB" sz="2000" dirty="0">
                 <a:sym typeface="Wingdings" panose="05000000000000000000" pitchFamily="2" charset="2"/>
               </a:rPr>
               <a:t>Turns plan into a schedule by finding the respective starting and ending times for each operation</a:t>
@@ -3378,7 +3383,7 @@
               <a:buChar char="•"/>
             </a:pPr>
             <a:r>
-              <a:rPr lang="en-GB" dirty="0">
+              <a:rPr lang="en-GB" sz="2000" dirty="0">
                 <a:sym typeface="Wingdings" panose="05000000000000000000" pitchFamily="2" charset="2"/>
               </a:rPr>
               <a:t>Returns schedule and its completion time</a:t>
@@ -3396,6 +3401,338 @@
   <p:clrMapOvr>
     <a:masterClrMapping/>
   </p:clrMapOvr>
+  <p:timing>
+    <p:tnLst>
+      <p:par>
+        <p:cTn id="1" dur="indefinite" restart="never" nodeType="tmRoot">
+          <p:childTnLst>
+            <p:seq concurrent="1" nextAc="seek">
+              <p:cTn id="2" dur="indefinite" nodeType="mainSeq">
+                <p:childTnLst>
+                  <p:par>
+                    <p:cTn id="3" fill="hold">
+                      <p:stCondLst>
+                        <p:cond delay="indefinite"/>
+                      </p:stCondLst>
+                      <p:childTnLst>
+                        <p:par>
+                          <p:cTn id="4" fill="hold">
+                            <p:stCondLst>
+                              <p:cond delay="0"/>
+                            </p:stCondLst>
+                            <p:childTnLst>
+                              <p:par>
+                                <p:cTn id="5" presetID="1" presetClass="entr" presetSubtype="0" fill="hold" nodeType="clickEffect">
+                                  <p:stCondLst>
+                                    <p:cond delay="0"/>
+                                  </p:stCondLst>
+                                  <p:childTnLst>
+                                    <p:set>
+                                      <p:cBhvr>
+                                        <p:cTn id="6" dur="1" fill="hold">
+                                          <p:stCondLst>
+                                            <p:cond delay="0"/>
+                                          </p:stCondLst>
+                                        </p:cTn>
+                                        <p:tgtEl>
+                                          <p:spTgt spid="3">
+                                            <p:txEl>
+                                              <p:pRg st="1" end="1"/>
+                                            </p:txEl>
+                                          </p:spTgt>
+                                        </p:tgtEl>
+                                        <p:attrNameLst>
+                                          <p:attrName>style.visibility</p:attrName>
+                                        </p:attrNameLst>
+                                      </p:cBhvr>
+                                      <p:to>
+                                        <p:strVal val="visible"/>
+                                      </p:to>
+                                    </p:set>
+                                  </p:childTnLst>
+                                </p:cTn>
+                              </p:par>
+                              <p:par>
+                                <p:cTn id="7" presetID="1" presetClass="entr" presetSubtype="0" fill="hold" nodeType="withEffect">
+                                  <p:stCondLst>
+                                    <p:cond delay="0"/>
+                                  </p:stCondLst>
+                                  <p:childTnLst>
+                                    <p:set>
+                                      <p:cBhvr>
+                                        <p:cTn id="8" dur="1" fill="hold">
+                                          <p:stCondLst>
+                                            <p:cond delay="0"/>
+                                          </p:stCondLst>
+                                        </p:cTn>
+                                        <p:tgtEl>
+                                          <p:spTgt spid="3">
+                                            <p:txEl>
+                                              <p:pRg st="2" end="2"/>
+                                            </p:txEl>
+                                          </p:spTgt>
+                                        </p:tgtEl>
+                                        <p:attrNameLst>
+                                          <p:attrName>style.visibility</p:attrName>
+                                        </p:attrNameLst>
+                                      </p:cBhvr>
+                                      <p:to>
+                                        <p:strVal val="visible"/>
+                                      </p:to>
+                                    </p:set>
+                                  </p:childTnLst>
+                                </p:cTn>
+                              </p:par>
+                              <p:par>
+                                <p:cTn id="9" presetID="1" presetClass="entr" presetSubtype="0" fill="hold" nodeType="withEffect">
+                                  <p:stCondLst>
+                                    <p:cond delay="0"/>
+                                  </p:stCondLst>
+                                  <p:childTnLst>
+                                    <p:set>
+                                      <p:cBhvr>
+                                        <p:cTn id="10" dur="1" fill="hold">
+                                          <p:stCondLst>
+                                            <p:cond delay="0"/>
+                                          </p:stCondLst>
+                                        </p:cTn>
+                                        <p:tgtEl>
+                                          <p:spTgt spid="3">
+                                            <p:txEl>
+                                              <p:pRg st="3" end="3"/>
+                                            </p:txEl>
+                                          </p:spTgt>
+                                        </p:tgtEl>
+                                        <p:attrNameLst>
+                                          <p:attrName>style.visibility</p:attrName>
+                                        </p:attrNameLst>
+                                      </p:cBhvr>
+                                      <p:to>
+                                        <p:strVal val="visible"/>
+                                      </p:to>
+                                    </p:set>
+                                  </p:childTnLst>
+                                </p:cTn>
+                              </p:par>
+                            </p:childTnLst>
+                          </p:cTn>
+                        </p:par>
+                      </p:childTnLst>
+                    </p:cTn>
+                  </p:par>
+                  <p:par>
+                    <p:cTn id="11" fill="hold">
+                      <p:stCondLst>
+                        <p:cond delay="indefinite"/>
+                      </p:stCondLst>
+                      <p:childTnLst>
+                        <p:par>
+                          <p:cTn id="12" fill="hold">
+                            <p:stCondLst>
+                              <p:cond delay="0"/>
+                            </p:stCondLst>
+                            <p:childTnLst>
+                              <p:par>
+                                <p:cTn id="13" presetID="1" presetClass="entr" presetSubtype="0" fill="hold" nodeType="clickEffect">
+                                  <p:stCondLst>
+                                    <p:cond delay="0"/>
+                                  </p:stCondLst>
+                                  <p:childTnLst>
+                                    <p:set>
+                                      <p:cBhvr>
+                                        <p:cTn id="14" dur="1" fill="hold">
+                                          <p:stCondLst>
+                                            <p:cond delay="0"/>
+                                          </p:stCondLst>
+                                        </p:cTn>
+                                        <p:tgtEl>
+                                          <p:spTgt spid="3">
+                                            <p:txEl>
+                                              <p:pRg st="4" end="4"/>
+                                            </p:txEl>
+                                          </p:spTgt>
+                                        </p:tgtEl>
+                                        <p:attrNameLst>
+                                          <p:attrName>style.visibility</p:attrName>
+                                        </p:attrNameLst>
+                                      </p:cBhvr>
+                                      <p:to>
+                                        <p:strVal val="visible"/>
+                                      </p:to>
+                                    </p:set>
+                                  </p:childTnLst>
+                                </p:cTn>
+                              </p:par>
+                              <p:par>
+                                <p:cTn id="15" presetID="1" presetClass="entr" presetSubtype="0" fill="hold" nodeType="withEffect">
+                                  <p:stCondLst>
+                                    <p:cond delay="0"/>
+                                  </p:stCondLst>
+                                  <p:childTnLst>
+                                    <p:set>
+                                      <p:cBhvr>
+                                        <p:cTn id="16" dur="1" fill="hold">
+                                          <p:stCondLst>
+                                            <p:cond delay="0"/>
+                                          </p:stCondLst>
+                                        </p:cTn>
+                                        <p:tgtEl>
+                                          <p:spTgt spid="3">
+                                            <p:txEl>
+                                              <p:pRg st="5" end="5"/>
+                                            </p:txEl>
+                                          </p:spTgt>
+                                        </p:tgtEl>
+                                        <p:attrNameLst>
+                                          <p:attrName>style.visibility</p:attrName>
+                                        </p:attrNameLst>
+                                      </p:cBhvr>
+                                      <p:to>
+                                        <p:strVal val="visible"/>
+                                      </p:to>
+                                    </p:set>
+                                  </p:childTnLst>
+                                </p:cTn>
+                              </p:par>
+                            </p:childTnLst>
+                          </p:cTn>
+                        </p:par>
+                      </p:childTnLst>
+                    </p:cTn>
+                  </p:par>
+                  <p:par>
+                    <p:cTn id="17" fill="hold">
+                      <p:stCondLst>
+                        <p:cond delay="indefinite"/>
+                      </p:stCondLst>
+                      <p:childTnLst>
+                        <p:par>
+                          <p:cTn id="18" fill="hold">
+                            <p:stCondLst>
+                              <p:cond delay="0"/>
+                            </p:stCondLst>
+                            <p:childTnLst>
+                              <p:par>
+                                <p:cTn id="19" presetID="1" presetClass="entr" presetSubtype="0" fill="hold" nodeType="clickEffect">
+                                  <p:stCondLst>
+                                    <p:cond delay="0"/>
+                                  </p:stCondLst>
+                                  <p:childTnLst>
+                                    <p:set>
+                                      <p:cBhvr>
+                                        <p:cTn id="20" dur="1" fill="hold">
+                                          <p:stCondLst>
+                                            <p:cond delay="0"/>
+                                          </p:stCondLst>
+                                        </p:cTn>
+                                        <p:tgtEl>
+                                          <p:spTgt spid="3">
+                                            <p:txEl>
+                                              <p:pRg st="6" end="6"/>
+                                            </p:txEl>
+                                          </p:spTgt>
+                                        </p:tgtEl>
+                                        <p:attrNameLst>
+                                          <p:attrName>style.visibility</p:attrName>
+                                        </p:attrNameLst>
+                                      </p:cBhvr>
+                                      <p:to>
+                                        <p:strVal val="visible"/>
+                                      </p:to>
+                                    </p:set>
+                                  </p:childTnLst>
+                                </p:cTn>
+                              </p:par>
+                              <p:par>
+                                <p:cTn id="21" presetID="1" presetClass="entr" presetSubtype="0" fill="hold" nodeType="withEffect">
+                                  <p:stCondLst>
+                                    <p:cond delay="0"/>
+                                  </p:stCondLst>
+                                  <p:childTnLst>
+                                    <p:set>
+                                      <p:cBhvr>
+                                        <p:cTn id="22" dur="1" fill="hold">
+                                          <p:stCondLst>
+                                            <p:cond delay="0"/>
+                                          </p:stCondLst>
+                                        </p:cTn>
+                                        <p:tgtEl>
+                                          <p:spTgt spid="3">
+                                            <p:txEl>
+                                              <p:pRg st="7" end="7"/>
+                                            </p:txEl>
+                                          </p:spTgt>
+                                        </p:tgtEl>
+                                        <p:attrNameLst>
+                                          <p:attrName>style.visibility</p:attrName>
+                                        </p:attrNameLst>
+                                      </p:cBhvr>
+                                      <p:to>
+                                        <p:strVal val="visible"/>
+                                      </p:to>
+                                    </p:set>
+                                  </p:childTnLst>
+                                </p:cTn>
+                              </p:par>
+                              <p:par>
+                                <p:cTn id="23" presetID="1" presetClass="entr" presetSubtype="0" fill="hold" nodeType="withEffect">
+                                  <p:stCondLst>
+                                    <p:cond delay="0"/>
+                                  </p:stCondLst>
+                                  <p:childTnLst>
+                                    <p:set>
+                                      <p:cBhvr>
+                                        <p:cTn id="24" dur="1" fill="hold">
+                                          <p:stCondLst>
+                                            <p:cond delay="0"/>
+                                          </p:stCondLst>
+                                        </p:cTn>
+                                        <p:tgtEl>
+                                          <p:spTgt spid="3">
+                                            <p:txEl>
+                                              <p:pRg st="8" end="8"/>
+                                            </p:txEl>
+                                          </p:spTgt>
+                                        </p:tgtEl>
+                                        <p:attrNameLst>
+                                          <p:attrName>style.visibility</p:attrName>
+                                        </p:attrNameLst>
+                                      </p:cBhvr>
+                                      <p:to>
+                                        <p:strVal val="visible"/>
+                                      </p:to>
+                                    </p:set>
+                                  </p:childTnLst>
+                                </p:cTn>
+                              </p:par>
+                            </p:childTnLst>
+                          </p:cTn>
+                        </p:par>
+                      </p:childTnLst>
+                    </p:cTn>
+                  </p:par>
+                </p:childTnLst>
+              </p:cTn>
+              <p:prevCondLst>
+                <p:cond evt="onPrev" delay="0">
+                  <p:tgtEl>
+                    <p:sldTgt/>
+                  </p:tgtEl>
+                </p:cond>
+              </p:prevCondLst>
+              <p:nextCondLst>
+                <p:cond evt="onNext" delay="0">
+                  <p:tgtEl>
+                    <p:sldTgt/>
+                  </p:tgtEl>
+                </p:cond>
+              </p:nextCondLst>
+            </p:seq>
+          </p:childTnLst>
+        </p:cTn>
+      </p:par>
+    </p:tnLst>
+  </p:timing>
 </p:sld>
 </file>
 
@@ -3532,7 +3869,7 @@
               <a:buChar char="ü"/>
             </a:pPr>
             <a:r>
-              <a:rPr lang="en-GB" dirty="0"/>
+              <a:rPr lang="en-GB" sz="2000" dirty="0"/>
               <a:t>Recency Memory</a:t>
             </a:r>
           </a:p>
@@ -3542,20 +3879,20 @@
               <a:buChar char="•"/>
             </a:pPr>
             <a:r>
-              <a:rPr lang="en-GB" dirty="0"/>
+              <a:rPr lang="en-GB" sz="2000" dirty="0"/>
               <a:t>stores tuple of swapped operations </a:t>
             </a:r>
             <a:br>
-              <a:rPr lang="en-GB" dirty="0"/>
+              <a:rPr lang="en-GB" sz="2000" dirty="0"/>
             </a:br>
             <a:r>
-              <a:rPr lang="en-GB" dirty="0">
+              <a:rPr lang="en-GB" sz="2000" dirty="0">
                 <a:sym typeface="Wingdings" panose="05000000000000000000" pitchFamily="2" charset="2"/>
               </a:rPr>
               <a:t> </a:t>
             </a:r>
             <a:r>
-              <a:rPr lang="en-GB" dirty="0"/>
+              <a:rPr lang="en-GB" sz="2000" dirty="0"/>
               <a:t>prevents reverting the swap independently of position in machines plan</a:t>
             </a:r>
           </a:p>
@@ -3565,7 +3902,7 @@
               <a:buChar char="ü"/>
             </a:pPr>
             <a:r>
-              <a:rPr lang="en-GB" dirty="0"/>
+              <a:rPr lang="en-GB" sz="2000" dirty="0"/>
               <a:t>Frequency Memory</a:t>
             </a:r>
           </a:p>
@@ -3575,7 +3912,7 @@
               <a:buChar char="•"/>
             </a:pPr>
             <a:r>
-              <a:rPr lang="en-GB" dirty="0"/>
+              <a:rPr lang="en-GB" sz="2000" dirty="0"/>
               <a:t>&lt;Operation&gt; : [timepoints at which it was part of a swap]</a:t>
             </a:r>
           </a:p>
@@ -3585,7 +3922,7 @@
               <a:buChar char="•"/>
             </a:pPr>
             <a:r>
-              <a:rPr lang="en-GB" dirty="0"/>
+              <a:rPr lang="en-GB" sz="2000" dirty="0"/>
               <a:t>Used by adding frequencies of both operations of the swap as penalty to the resulting schedule’s time</a:t>
             </a:r>
           </a:p>
@@ -3595,7 +3932,7 @@
               <a:buChar char="ü"/>
             </a:pPr>
             <a:r>
-              <a:rPr lang="en-GB" dirty="0"/>
+              <a:rPr lang="en-GB" sz="2000" dirty="0"/>
               <a:t>Aspiration criterion</a:t>
             </a:r>
           </a:p>
@@ -3605,7 +3942,7 @@
               <a:buChar char="•"/>
             </a:pPr>
             <a:r>
-              <a:rPr lang="en-GB" dirty="0"/>
+              <a:rPr lang="en-GB" sz="2000" dirty="0"/>
               <a:t>Threshold is the best completion time seen so far in the current run</a:t>
             </a:r>
           </a:p>
@@ -3615,7 +3952,7 @@
               <a:buChar char="•"/>
             </a:pPr>
             <a:r>
-              <a:rPr lang="en-GB" dirty="0"/>
+              <a:rPr lang="en-GB" sz="2000" dirty="0"/>
               <a:t>Frequency penalty applies</a:t>
             </a:r>
           </a:p>
@@ -3638,6 +3975,258 @@
   <p:clrMapOvr>
     <a:masterClrMapping/>
   </p:clrMapOvr>
+  <p:timing>
+    <p:tnLst>
+      <p:par>
+        <p:cTn id="1" dur="indefinite" restart="never" nodeType="tmRoot">
+          <p:childTnLst>
+            <p:seq concurrent="1" nextAc="seek">
+              <p:cTn id="2" dur="indefinite" nodeType="mainSeq">
+                <p:childTnLst>
+                  <p:par>
+                    <p:cTn id="3" fill="hold">
+                      <p:stCondLst>
+                        <p:cond delay="indefinite"/>
+                      </p:stCondLst>
+                      <p:childTnLst>
+                        <p:par>
+                          <p:cTn id="4" fill="hold">
+                            <p:stCondLst>
+                              <p:cond delay="0"/>
+                            </p:stCondLst>
+                            <p:childTnLst>
+                              <p:par>
+                                <p:cTn id="5" presetID="1" presetClass="entr" presetSubtype="0" fill="hold" nodeType="clickEffect">
+                                  <p:stCondLst>
+                                    <p:cond delay="0"/>
+                                  </p:stCondLst>
+                                  <p:childTnLst>
+                                    <p:set>
+                                      <p:cBhvr>
+                                        <p:cTn id="6" dur="1" fill="hold">
+                                          <p:stCondLst>
+                                            <p:cond delay="0"/>
+                                          </p:stCondLst>
+                                        </p:cTn>
+                                        <p:tgtEl>
+                                          <p:spTgt spid="3">
+                                            <p:txEl>
+                                              <p:pRg st="2" end="2"/>
+                                            </p:txEl>
+                                          </p:spTgt>
+                                        </p:tgtEl>
+                                        <p:attrNameLst>
+                                          <p:attrName>style.visibility</p:attrName>
+                                        </p:attrNameLst>
+                                      </p:cBhvr>
+                                      <p:to>
+                                        <p:strVal val="visible"/>
+                                      </p:to>
+                                    </p:set>
+                                  </p:childTnLst>
+                                </p:cTn>
+                              </p:par>
+                              <p:par>
+                                <p:cTn id="7" presetID="1" presetClass="entr" presetSubtype="0" fill="hold" nodeType="withEffect">
+                                  <p:stCondLst>
+                                    <p:cond delay="0"/>
+                                  </p:stCondLst>
+                                  <p:childTnLst>
+                                    <p:set>
+                                      <p:cBhvr>
+                                        <p:cTn id="8" dur="1" fill="hold">
+                                          <p:stCondLst>
+                                            <p:cond delay="0"/>
+                                          </p:stCondLst>
+                                        </p:cTn>
+                                        <p:tgtEl>
+                                          <p:spTgt spid="3">
+                                            <p:txEl>
+                                              <p:pRg st="3" end="3"/>
+                                            </p:txEl>
+                                          </p:spTgt>
+                                        </p:tgtEl>
+                                        <p:attrNameLst>
+                                          <p:attrName>style.visibility</p:attrName>
+                                        </p:attrNameLst>
+                                      </p:cBhvr>
+                                      <p:to>
+                                        <p:strVal val="visible"/>
+                                      </p:to>
+                                    </p:set>
+                                  </p:childTnLst>
+                                </p:cTn>
+                              </p:par>
+                              <p:par>
+                                <p:cTn id="9" presetID="1" presetClass="entr" presetSubtype="0" fill="hold" nodeType="withEffect">
+                                  <p:stCondLst>
+                                    <p:cond delay="0"/>
+                                  </p:stCondLst>
+                                  <p:childTnLst>
+                                    <p:set>
+                                      <p:cBhvr>
+                                        <p:cTn id="10" dur="1" fill="hold">
+                                          <p:stCondLst>
+                                            <p:cond delay="0"/>
+                                          </p:stCondLst>
+                                        </p:cTn>
+                                        <p:tgtEl>
+                                          <p:spTgt spid="3">
+                                            <p:txEl>
+                                              <p:pRg st="4" end="4"/>
+                                            </p:txEl>
+                                          </p:spTgt>
+                                        </p:tgtEl>
+                                        <p:attrNameLst>
+                                          <p:attrName>style.visibility</p:attrName>
+                                        </p:attrNameLst>
+                                      </p:cBhvr>
+                                      <p:to>
+                                        <p:strVal val="visible"/>
+                                      </p:to>
+                                    </p:set>
+                                  </p:childTnLst>
+                                </p:cTn>
+                              </p:par>
+                            </p:childTnLst>
+                          </p:cTn>
+                        </p:par>
+                      </p:childTnLst>
+                    </p:cTn>
+                  </p:par>
+                  <p:par>
+                    <p:cTn id="11" fill="hold">
+                      <p:stCondLst>
+                        <p:cond delay="indefinite"/>
+                      </p:stCondLst>
+                      <p:childTnLst>
+                        <p:par>
+                          <p:cTn id="12" fill="hold">
+                            <p:stCondLst>
+                              <p:cond delay="0"/>
+                            </p:stCondLst>
+                            <p:childTnLst>
+                              <p:par>
+                                <p:cTn id="13" presetID="1" presetClass="entr" presetSubtype="0" fill="hold" nodeType="clickEffect">
+                                  <p:stCondLst>
+                                    <p:cond delay="0"/>
+                                  </p:stCondLst>
+                                  <p:childTnLst>
+                                    <p:set>
+                                      <p:cBhvr>
+                                        <p:cTn id="14" dur="1" fill="hold">
+                                          <p:stCondLst>
+                                            <p:cond delay="0"/>
+                                          </p:stCondLst>
+                                        </p:cTn>
+                                        <p:tgtEl>
+                                          <p:spTgt spid="3">
+                                            <p:txEl>
+                                              <p:pRg st="5" end="5"/>
+                                            </p:txEl>
+                                          </p:spTgt>
+                                        </p:tgtEl>
+                                        <p:attrNameLst>
+                                          <p:attrName>style.visibility</p:attrName>
+                                        </p:attrNameLst>
+                                      </p:cBhvr>
+                                      <p:to>
+                                        <p:strVal val="visible"/>
+                                      </p:to>
+                                    </p:set>
+                                  </p:childTnLst>
+                                </p:cTn>
+                              </p:par>
+                              <p:par>
+                                <p:cTn id="15" presetID="1" presetClass="entr" presetSubtype="0" fill="hold" nodeType="withEffect">
+                                  <p:stCondLst>
+                                    <p:cond delay="0"/>
+                                  </p:stCondLst>
+                                  <p:childTnLst>
+                                    <p:set>
+                                      <p:cBhvr>
+                                        <p:cTn id="16" dur="1" fill="hold">
+                                          <p:stCondLst>
+                                            <p:cond delay="0"/>
+                                          </p:stCondLst>
+                                        </p:cTn>
+                                        <p:tgtEl>
+                                          <p:spTgt spid="3">
+                                            <p:txEl>
+                                              <p:pRg st="6" end="6"/>
+                                            </p:txEl>
+                                          </p:spTgt>
+                                        </p:tgtEl>
+                                        <p:attrNameLst>
+                                          <p:attrName>style.visibility</p:attrName>
+                                        </p:attrNameLst>
+                                      </p:cBhvr>
+                                      <p:to>
+                                        <p:strVal val="visible"/>
+                                      </p:to>
+                                    </p:set>
+                                  </p:childTnLst>
+                                </p:cTn>
+                              </p:par>
+                              <p:par>
+                                <p:cTn id="17" presetID="1" presetClass="entr" presetSubtype="0" fill="hold" nodeType="withEffect">
+                                  <p:stCondLst>
+                                    <p:cond delay="0"/>
+                                  </p:stCondLst>
+                                  <p:childTnLst>
+                                    <p:set>
+                                      <p:cBhvr>
+                                        <p:cTn id="18" dur="1" fill="hold">
+                                          <p:stCondLst>
+                                            <p:cond delay="0"/>
+                                          </p:stCondLst>
+                                        </p:cTn>
+                                        <p:tgtEl>
+                                          <p:spTgt spid="3">
+                                            <p:txEl>
+                                              <p:pRg st="7" end="7"/>
+                                            </p:txEl>
+                                          </p:spTgt>
+                                        </p:tgtEl>
+                                        <p:attrNameLst>
+                                          <p:attrName>style.visibility</p:attrName>
+                                        </p:attrNameLst>
+                                      </p:cBhvr>
+                                      <p:to>
+                                        <p:strVal val="visible"/>
+                                      </p:to>
+                                    </p:set>
+                                  </p:childTnLst>
+                                </p:cTn>
+                              </p:par>
+                            </p:childTnLst>
+                          </p:cTn>
+                        </p:par>
+                      </p:childTnLst>
+                    </p:cTn>
+                  </p:par>
+                </p:childTnLst>
+              </p:cTn>
+              <p:prevCondLst>
+                <p:cond evt="onPrev" delay="0">
+                  <p:tgtEl>
+                    <p:sldTgt/>
+                  </p:tgtEl>
+                </p:cond>
+              </p:prevCondLst>
+              <p:nextCondLst>
+                <p:cond evt="onNext" delay="0">
+                  <p:tgtEl>
+                    <p:sldTgt/>
+                  </p:tgtEl>
+                </p:cond>
+              </p:nextCondLst>
+            </p:seq>
+          </p:childTnLst>
+        </p:cTn>
+      </p:par>
+    </p:tnLst>
+  </p:timing>
 </p:sld>
 </file>
 
@@ -3787,7 +4376,7 @@
               <a:buFont typeface="Arial" panose="020B0604020202020204" pitchFamily="34" charset="0"/>
               <a:buChar char="•"/>
             </a:pPr>
-            <a:endParaRPr lang="en-GB" dirty="0"/>
+            <a:endParaRPr lang="en-GB" sz="2000" dirty="0"/>
           </a:p>
           <a:p>
             <a:pPr marL="285750" indent="-285750">
@@ -3795,7 +4384,7 @@
               <a:buChar char="•"/>
             </a:pPr>
             <a:r>
-              <a:rPr lang="en-GB" dirty="0"/>
+              <a:rPr lang="en-GB" sz="2000" dirty="0"/>
               <a:t>TRIES gives number of (random) starting plans</a:t>
             </a:r>
           </a:p>
@@ -3805,7 +4394,7 @@
               <a:buChar char="•"/>
             </a:pPr>
             <a:r>
-              <a:rPr lang="en-GB" dirty="0"/>
+              <a:rPr lang="en-GB" sz="2000" dirty="0"/>
               <a:t>NO_IMPROVE_MAX gives number of iterations without improvement before search stops</a:t>
             </a:r>
           </a:p>
@@ -3815,14 +4404,14 @@
               <a:buChar char="•"/>
             </a:pPr>
             <a:r>
-              <a:rPr lang="en-GB" dirty="0"/>
+              <a:rPr lang="en-GB" sz="2000" dirty="0"/>
               <a:t>RECENCY_MEMORY gives number of iteration for which swap is </a:t>
             </a:r>
             <a:r>
-              <a:rPr lang="en-GB" dirty="0" err="1"/>
+              <a:rPr lang="en-GB" sz="2000" dirty="0" err="1"/>
               <a:t>tabu</a:t>
             </a:r>
-            <a:endParaRPr lang="en-GB" dirty="0"/>
+            <a:endParaRPr lang="en-GB" sz="2000" dirty="0"/>
           </a:p>
           <a:p>
             <a:pPr marL="285750" indent="-285750">
@@ -3830,7 +4419,7 @@
               <a:buChar char="•"/>
             </a:pPr>
             <a:r>
-              <a:rPr lang="en-GB" dirty="0"/>
+              <a:rPr lang="en-GB" sz="2000" dirty="0"/>
               <a:t>FREQUENCY_MEMORY gives number of iterations that are remembered</a:t>
             </a:r>
           </a:p>
@@ -3840,7 +4429,7 @@
               <a:buChar char="•"/>
             </a:pPr>
             <a:r>
-              <a:rPr lang="en-GB" dirty="0"/>
+              <a:rPr lang="en-GB" sz="2000" dirty="0"/>
               <a:t>FREQUENCY_INFLUENCE weights the penalty</a:t>
             </a:r>
           </a:p>
@@ -3998,7 +4587,7 @@
               <a:buChar char="•"/>
             </a:pPr>
             <a:r>
-              <a:rPr lang="en-GB" dirty="0"/>
+              <a:rPr lang="en-GB" sz="2000" dirty="0"/>
               <a:t>Ideas for further improvement</a:t>
             </a:r>
           </a:p>
@@ -4008,7 +4597,7 @@
               <a:buChar char="•"/>
             </a:pPr>
             <a:r>
-              <a:rPr lang="en-GB" dirty="0"/>
+              <a:rPr lang="en-GB" sz="2000" dirty="0"/>
               <a:t>Find good values for parameters</a:t>
             </a:r>
           </a:p>
@@ -4018,10 +4607,10 @@
               <a:buChar char="•"/>
             </a:pPr>
             <a:r>
-              <a:rPr lang="en-GB" dirty="0"/>
+              <a:rPr lang="en-GB" sz="2000" dirty="0"/>
               <a:t>Refactor code to improve runtime (and readability)</a:t>
             </a:r>
-            <a:endParaRPr lang="en-GB" dirty="0">
+            <a:endParaRPr lang="en-GB" sz="2000" dirty="0">
               <a:sym typeface="Wingdings" panose="05000000000000000000" pitchFamily="2" charset="2"/>
             </a:endParaRPr>
           </a:p>
@@ -4031,18 +4620,18 @@
               <a:buChar char="•"/>
             </a:pPr>
             <a:r>
-              <a:rPr lang="en-GB" dirty="0">
+              <a:rPr lang="en-GB" sz="2000" dirty="0">
                 <a:sym typeface="Wingdings" panose="05000000000000000000" pitchFamily="2" charset="2"/>
               </a:rPr>
               <a:t>Considered to allow swap of any two operations on the same machine</a:t>
             </a:r>
             <a:br>
-              <a:rPr lang="en-GB" dirty="0">
+              <a:rPr lang="en-GB" sz="2000" dirty="0">
                 <a:sym typeface="Wingdings" panose="05000000000000000000" pitchFamily="2" charset="2"/>
               </a:rPr>
             </a:br>
             <a:r>
-              <a:rPr lang="en-GB" dirty="0">
+              <a:rPr lang="en-GB" sz="2000" dirty="0">
                 <a:sym typeface="Wingdings" panose="05000000000000000000" pitchFamily="2" charset="2"/>
               </a:rPr>
               <a:t> so far decided against it to keep cost of searching the neighbourhood small</a:t>
@@ -4054,7 +4643,7 @@
               <a:buChar char="•"/>
             </a:pPr>
             <a:r>
-              <a:rPr lang="en-GB" dirty="0"/>
+              <a:rPr lang="en-GB" sz="2000" dirty="0"/>
               <a:t>Questions:</a:t>
             </a:r>
           </a:p>
@@ -4064,7 +4653,7 @@
               <a:buChar char="•"/>
             </a:pPr>
             <a:r>
-              <a:rPr lang="en-GB" dirty="0"/>
+              <a:rPr lang="en-GB" sz="2000" dirty="0"/>
               <a:t>Aspiration criterion seems to be used close to never?</a:t>
             </a:r>
           </a:p>
@@ -4074,7 +4663,7 @@
               <a:buChar char="•"/>
             </a:pPr>
             <a:r>
-              <a:rPr lang="en-GB" dirty="0"/>
+              <a:rPr lang="en-GB" sz="2000" dirty="0"/>
               <a:t>How to find good parameter values?</a:t>
             </a:r>
           </a:p>
@@ -4097,6 +4686,147 @@
   <p:clrMapOvr>
     <a:masterClrMapping/>
   </p:clrMapOvr>
+  <p:timing>
+    <p:tnLst>
+      <p:par>
+        <p:cTn id="1" dur="indefinite" restart="never" nodeType="tmRoot">
+          <p:childTnLst>
+            <p:seq concurrent="1" nextAc="seek">
+              <p:cTn id="2" dur="indefinite" nodeType="mainSeq">
+                <p:childTnLst>
+                  <p:par>
+                    <p:cTn id="3" fill="hold">
+                      <p:stCondLst>
+                        <p:cond delay="indefinite"/>
+                      </p:stCondLst>
+                      <p:childTnLst>
+                        <p:par>
+                          <p:cTn id="4" fill="hold">
+                            <p:stCondLst>
+                              <p:cond delay="0"/>
+                            </p:stCondLst>
+                            <p:childTnLst>
+                              <p:par>
+                                <p:cTn id="5" presetID="1" presetClass="entr" presetSubtype="0" fill="hold" nodeType="clickEffect">
+                                  <p:stCondLst>
+                                    <p:cond delay="0"/>
+                                  </p:stCondLst>
+                                  <p:childTnLst>
+                                    <p:set>
+                                      <p:cBhvr>
+                                        <p:cTn id="6" dur="1" fill="hold">
+                                          <p:stCondLst>
+                                            <p:cond delay="0"/>
+                                          </p:stCondLst>
+                                        </p:cTn>
+                                        <p:tgtEl>
+                                          <p:spTgt spid="3">
+                                            <p:txEl>
+                                              <p:pRg st="4" end="4"/>
+                                            </p:txEl>
+                                          </p:spTgt>
+                                        </p:tgtEl>
+                                        <p:attrNameLst>
+                                          <p:attrName>style.visibility</p:attrName>
+                                        </p:attrNameLst>
+                                      </p:cBhvr>
+                                      <p:to>
+                                        <p:strVal val="visible"/>
+                                      </p:to>
+                                    </p:set>
+                                  </p:childTnLst>
+                                </p:cTn>
+                              </p:par>
+                              <p:par>
+                                <p:cTn id="7" presetID="1" presetClass="entr" presetSubtype="0" fill="hold" nodeType="withEffect">
+                                  <p:stCondLst>
+                                    <p:cond delay="0"/>
+                                  </p:stCondLst>
+                                  <p:childTnLst>
+                                    <p:set>
+                                      <p:cBhvr>
+                                        <p:cTn id="8" dur="1" fill="hold">
+                                          <p:stCondLst>
+                                            <p:cond delay="0"/>
+                                          </p:stCondLst>
+                                        </p:cTn>
+                                        <p:tgtEl>
+                                          <p:spTgt spid="3">
+                                            <p:txEl>
+                                              <p:pRg st="5" end="5"/>
+                                            </p:txEl>
+                                          </p:spTgt>
+                                        </p:tgtEl>
+                                        <p:attrNameLst>
+                                          <p:attrName>style.visibility</p:attrName>
+                                        </p:attrNameLst>
+                                      </p:cBhvr>
+                                      <p:to>
+                                        <p:strVal val="visible"/>
+                                      </p:to>
+                                    </p:set>
+                                  </p:childTnLst>
+                                </p:cTn>
+                              </p:par>
+                              <p:par>
+                                <p:cTn id="9" presetID="1" presetClass="entr" presetSubtype="0" fill="hold" nodeType="withEffect">
+                                  <p:stCondLst>
+                                    <p:cond delay="0"/>
+                                  </p:stCondLst>
+                                  <p:childTnLst>
+                                    <p:set>
+                                      <p:cBhvr>
+                                        <p:cTn id="10" dur="1" fill="hold">
+                                          <p:stCondLst>
+                                            <p:cond delay="0"/>
+                                          </p:stCondLst>
+                                        </p:cTn>
+                                        <p:tgtEl>
+                                          <p:spTgt spid="3">
+                                            <p:txEl>
+                                              <p:pRg st="6" end="6"/>
+                                            </p:txEl>
+                                          </p:spTgt>
+                                        </p:tgtEl>
+                                        <p:attrNameLst>
+                                          <p:attrName>style.visibility</p:attrName>
+                                        </p:attrNameLst>
+                                      </p:cBhvr>
+                                      <p:to>
+                                        <p:strVal val="visible"/>
+                                      </p:to>
+                                    </p:set>
+                                  </p:childTnLst>
+                                </p:cTn>
+                              </p:par>
+                            </p:childTnLst>
+                          </p:cTn>
+                        </p:par>
+                      </p:childTnLst>
+                    </p:cTn>
+                  </p:par>
+                </p:childTnLst>
+              </p:cTn>
+              <p:prevCondLst>
+                <p:cond evt="onPrev" delay="0">
+                  <p:tgtEl>
+                    <p:sldTgt/>
+                  </p:tgtEl>
+                </p:cond>
+              </p:prevCondLst>
+              <p:nextCondLst>
+                <p:cond evt="onNext" delay="0">
+                  <p:tgtEl>
+                    <p:sldTgt/>
+                  </p:tgtEl>
+                </p:cond>
+              </p:nextCondLst>
+            </p:seq>
+          </p:childTnLst>
+        </p:cTn>
+      </p:par>
+    </p:tnLst>
+  </p:timing>
 </p:sld>
 </file>
 
